--- a/pics.pptx
+++ b/pics.pptx
@@ -6,7 +6,8 @@
   </p:sldMasterIdLst>
   <p:sldIdLst>
     <p:sldId id="256" r:id="rId2"/>
-    <p:sldId id="257" r:id="rId3"/>
+    <p:sldId id="258" r:id="rId3"/>
+    <p:sldId id="257" r:id="rId4"/>
   </p:sldIdLst>
   <p:sldSz cx="12192000" cy="6858000"/>
   <p:notesSz cx="6858000" cy="9144000"/>
@@ -105,6 +106,11 @@
       </a:defRPr>
     </a:lvl9pPr>
   </p:defaultTextStyle>
+  <p:extLst>
+    <p:ext uri="{EFAFB233-063F-42B5-8137-9DF3F51BA10A}">
+      <p15:sldGuideLst xmlns:p15="http://schemas.microsoft.com/office/powerpoint/2012/main"/>
+    </p:ext>
+  </p:extLst>
 </p:presentation>
 </file>
 
@@ -239,7 +245,7 @@
           <a:p>
             <a:fld id="{91186602-A9F1-5D44-83BD-82222EAC9766}" type="datetimeFigureOut">
               <a:rPr lang="en-US" smtClean="0"/>
-              <a:t>10/15/17</a:t>
+              <a:t>10/23/17</a:t>
             </a:fld>
             <a:endParaRPr lang="en-US"/>
           </a:p>
@@ -409,7 +415,7 @@
           <a:p>
             <a:fld id="{91186602-A9F1-5D44-83BD-82222EAC9766}" type="datetimeFigureOut">
               <a:rPr lang="en-US" smtClean="0"/>
-              <a:t>10/15/17</a:t>
+              <a:t>10/23/17</a:t>
             </a:fld>
             <a:endParaRPr lang="en-US"/>
           </a:p>
@@ -589,7 +595,7 @@
           <a:p>
             <a:fld id="{91186602-A9F1-5D44-83BD-82222EAC9766}" type="datetimeFigureOut">
               <a:rPr lang="en-US" smtClean="0"/>
-              <a:t>10/15/17</a:t>
+              <a:t>10/23/17</a:t>
             </a:fld>
             <a:endParaRPr lang="en-US"/>
           </a:p>
@@ -759,7 +765,7 @@
           <a:p>
             <a:fld id="{91186602-A9F1-5D44-83BD-82222EAC9766}" type="datetimeFigureOut">
               <a:rPr lang="en-US" smtClean="0"/>
-              <a:t>10/15/17</a:t>
+              <a:t>10/23/17</a:t>
             </a:fld>
             <a:endParaRPr lang="en-US"/>
           </a:p>
@@ -1005,7 +1011,7 @@
           <a:p>
             <a:fld id="{91186602-A9F1-5D44-83BD-82222EAC9766}" type="datetimeFigureOut">
               <a:rPr lang="en-US" smtClean="0"/>
-              <a:t>10/15/17</a:t>
+              <a:t>10/23/17</a:t>
             </a:fld>
             <a:endParaRPr lang="en-US"/>
           </a:p>
@@ -1237,7 +1243,7 @@
           <a:p>
             <a:fld id="{91186602-A9F1-5D44-83BD-82222EAC9766}" type="datetimeFigureOut">
               <a:rPr lang="en-US" smtClean="0"/>
-              <a:t>10/15/17</a:t>
+              <a:t>10/23/17</a:t>
             </a:fld>
             <a:endParaRPr lang="en-US"/>
           </a:p>
@@ -1604,7 +1610,7 @@
           <a:p>
             <a:fld id="{91186602-A9F1-5D44-83BD-82222EAC9766}" type="datetimeFigureOut">
               <a:rPr lang="en-US" smtClean="0"/>
-              <a:t>10/15/17</a:t>
+              <a:t>10/23/17</a:t>
             </a:fld>
             <a:endParaRPr lang="en-US"/>
           </a:p>
@@ -1722,7 +1728,7 @@
           <a:p>
             <a:fld id="{91186602-A9F1-5D44-83BD-82222EAC9766}" type="datetimeFigureOut">
               <a:rPr lang="en-US" smtClean="0"/>
-              <a:t>10/15/17</a:t>
+              <a:t>10/23/17</a:t>
             </a:fld>
             <a:endParaRPr lang="en-US"/>
           </a:p>
@@ -1817,7 +1823,7 @@
           <a:p>
             <a:fld id="{91186602-A9F1-5D44-83BD-82222EAC9766}" type="datetimeFigureOut">
               <a:rPr lang="en-US" smtClean="0"/>
-              <a:t>10/15/17</a:t>
+              <a:t>10/23/17</a:t>
             </a:fld>
             <a:endParaRPr lang="en-US"/>
           </a:p>
@@ -2094,7 +2100,7 @@
           <a:p>
             <a:fld id="{91186602-A9F1-5D44-83BD-82222EAC9766}" type="datetimeFigureOut">
               <a:rPr lang="en-US" smtClean="0"/>
-              <a:t>10/15/17</a:t>
+              <a:t>10/23/17</a:t>
             </a:fld>
             <a:endParaRPr lang="en-US"/>
           </a:p>
@@ -2347,7 +2353,7 @@
           <a:p>
             <a:fld id="{91186602-A9F1-5D44-83BD-82222EAC9766}" type="datetimeFigureOut">
               <a:rPr lang="en-US" smtClean="0"/>
-              <a:t>10/15/17</a:t>
+              <a:t>10/23/17</a:t>
             </a:fld>
             <a:endParaRPr lang="en-US"/>
           </a:p>
@@ -2560,7 +2566,7 @@
           <a:p>
             <a:fld id="{91186602-A9F1-5D44-83BD-82222EAC9766}" type="datetimeFigureOut">
               <a:rPr lang="en-US" smtClean="0"/>
-              <a:t>10/15/17</a:t>
+              <a:t>10/23/17</a:t>
             </a:fld>
             <a:endParaRPr lang="en-US"/>
           </a:p>
@@ -3222,8 +3228,8 @@
             </a:fontRef>
           </p:style>
         </p:cxnSp>
-        <mc:AlternateContent xmlns:mc="http://schemas.openxmlformats.org/markup-compatibility/2006">
-          <mc:Choice xmlns:a14="http://schemas.microsoft.com/office/drawing/2010/main" Requires="a14">
+        <mc:AlternateContent xmlns:mc="http://schemas.openxmlformats.org/markup-compatibility/2006" xmlns:a14="http://schemas.microsoft.com/office/drawing/2010/main">
+          <mc:Choice Requires="a14">
             <p:sp>
               <p:nvSpPr>
                 <p:cNvPr id="11" name="TextBox 10"/>
@@ -3287,7 +3293,7 @@
               </p:txBody>
             </p:sp>
           </mc:Choice>
-          <mc:Fallback>
+          <mc:Fallback xmlns="">
             <p:sp>
               <p:nvSpPr>
                 <p:cNvPr id="11" name="TextBox 10"/>
@@ -3371,6 +3377,310 @@
 </file>
 
 <file path=ppt/slides/slide2.xml><?xml version="1.0" encoding="utf-8"?>
+<p:sld xmlns:a="http://schemas.openxmlformats.org/drawingml/2006/main" xmlns:r="http://schemas.openxmlformats.org/officeDocument/2006/relationships" xmlns:p="http://schemas.openxmlformats.org/presentationml/2006/main">
+  <p:cSld>
+    <p:spTree>
+      <p:nvGrpSpPr>
+        <p:cNvPr id="1" name=""/>
+        <p:cNvGrpSpPr/>
+        <p:nvPr/>
+      </p:nvGrpSpPr>
+      <p:grpSpPr>
+        <a:xfrm>
+          <a:off x="0" y="0"/>
+          <a:ext cx="0" cy="0"/>
+          <a:chOff x="0" y="0"/>
+          <a:chExt cx="0" cy="0"/>
+        </a:xfrm>
+      </p:grpSpPr>
+      <p:grpSp>
+        <p:nvGrpSpPr>
+          <p:cNvPr id="15" name="Group 14"/>
+          <p:cNvGrpSpPr/>
+          <p:nvPr/>
+        </p:nvGrpSpPr>
+        <p:grpSpPr>
+          <a:xfrm>
+            <a:off x="2562692" y="869922"/>
+            <a:ext cx="3674074" cy="3690046"/>
+            <a:chOff x="2562692" y="869922"/>
+            <a:chExt cx="3674074" cy="3690046"/>
+          </a:xfrm>
+        </p:grpSpPr>
+        <p:grpSp>
+          <p:nvGrpSpPr>
+            <p:cNvPr id="13" name="Group 12"/>
+            <p:cNvGrpSpPr/>
+            <p:nvPr/>
+          </p:nvGrpSpPr>
+          <p:grpSpPr>
+            <a:xfrm>
+              <a:off x="4764505" y="1840832"/>
+              <a:ext cx="1472261" cy="2719136"/>
+              <a:chOff x="4764505" y="1840832"/>
+              <a:chExt cx="1472261" cy="2719136"/>
+            </a:xfrm>
+          </p:grpSpPr>
+          <p:sp>
+            <p:nvSpPr>
+              <p:cNvPr id="4" name="Rectangle 3"/>
+              <p:cNvSpPr/>
+              <p:nvPr/>
+            </p:nvSpPr>
+            <p:spPr>
+              <a:xfrm>
+                <a:off x="4764505" y="1840832"/>
+                <a:ext cx="1443790" cy="2719136"/>
+              </a:xfrm>
+              <a:prstGeom prst="rect">
+                <a:avLst/>
+              </a:prstGeom>
+              <a:solidFill>
+                <a:schemeClr val="accent4">
+                  <a:lumMod val="20000"/>
+                  <a:lumOff val="80000"/>
+                </a:schemeClr>
+              </a:solidFill>
+              <a:ln>
+                <a:solidFill>
+                  <a:schemeClr val="accent2"/>
+                </a:solidFill>
+              </a:ln>
+            </p:spPr>
+            <p:style>
+              <a:lnRef idx="2">
+                <a:schemeClr val="accent1">
+                  <a:shade val="50000"/>
+                </a:schemeClr>
+              </a:lnRef>
+              <a:fillRef idx="1">
+                <a:schemeClr val="accent1"/>
+              </a:fillRef>
+              <a:effectRef idx="0">
+                <a:schemeClr val="accent1"/>
+              </a:effectRef>
+              <a:fontRef idx="minor">
+                <a:schemeClr val="lt1"/>
+              </a:fontRef>
+            </p:style>
+            <p:txBody>
+              <a:bodyPr rtlCol="0" anchor="ctr"/>
+              <a:lstStyle/>
+              <a:p>
+                <a:pPr algn="ctr"/>
+                <a:endParaRPr lang="en-US" dirty="0" smtClean="0">
+                  <a:solidFill>
+                    <a:schemeClr val="tx1"/>
+                  </a:solidFill>
+                </a:endParaRPr>
+              </a:p>
+            </p:txBody>
+          </p:sp>
+          <p:sp>
+            <p:nvSpPr>
+              <p:cNvPr id="12" name="TextBox 11"/>
+              <p:cNvSpPr txBox="1"/>
+              <p:nvPr/>
+            </p:nvSpPr>
+            <p:spPr>
+              <a:xfrm>
+                <a:off x="4764505" y="2892623"/>
+                <a:ext cx="1472261" cy="584775"/>
+              </a:xfrm>
+              <a:prstGeom prst="rect">
+                <a:avLst/>
+              </a:prstGeom>
+              <a:noFill/>
+            </p:spPr>
+            <p:txBody>
+              <a:bodyPr wrap="square" rtlCol="0">
+                <a:spAutoFit/>
+              </a:bodyPr>
+              <a:lstStyle/>
+              <a:p>
+                <a:pPr algn="ctr"/>
+                <a:r>
+                  <a:rPr lang="en-US" sz="3200" dirty="0" smtClean="0"/>
+                  <a:t>Soil</a:t>
+                </a:r>
+                <a:endParaRPr lang="en-US" sz="3200" dirty="0"/>
+              </a:p>
+            </p:txBody>
+          </p:sp>
+        </p:grpSp>
+        <p:cxnSp>
+          <p:nvCxnSpPr>
+            <p:cNvPr id="3" name="Straight Arrow Connector 2"/>
+            <p:cNvCxnSpPr/>
+            <p:nvPr/>
+          </p:nvCxnSpPr>
+          <p:spPr>
+            <a:xfrm flipV="1">
+              <a:off x="4379495" y="1840832"/>
+              <a:ext cx="12031" cy="2719136"/>
+            </a:xfrm>
+            <a:prstGeom prst="straightConnector1">
+              <a:avLst/>
+            </a:prstGeom>
+            <a:ln w="57150">
+              <a:solidFill>
+                <a:schemeClr val="tx1"/>
+              </a:solidFill>
+              <a:tailEnd type="triangle"/>
+            </a:ln>
+          </p:spPr>
+          <p:style>
+            <a:lnRef idx="1">
+              <a:schemeClr val="accent1"/>
+            </a:lnRef>
+            <a:fillRef idx="0">
+              <a:schemeClr val="accent1"/>
+            </a:fillRef>
+            <a:effectRef idx="0">
+              <a:schemeClr val="accent1"/>
+            </a:effectRef>
+            <a:fontRef idx="minor">
+              <a:schemeClr val="tx1"/>
+            </a:fontRef>
+          </p:style>
+        </p:cxnSp>
+        <p:sp>
+          <p:nvSpPr>
+            <p:cNvPr id="5" name="TextBox 4"/>
+            <p:cNvSpPr txBox="1"/>
+            <p:nvPr/>
+          </p:nvSpPr>
+          <p:spPr>
+            <a:xfrm>
+              <a:off x="2562692" y="2723345"/>
+              <a:ext cx="1775935" cy="646331"/>
+            </a:xfrm>
+            <a:prstGeom prst="rect">
+              <a:avLst/>
+            </a:prstGeom>
+            <a:noFill/>
+          </p:spPr>
+          <p:txBody>
+            <a:bodyPr wrap="none" rtlCol="0">
+              <a:spAutoFit/>
+            </a:bodyPr>
+            <a:lstStyle/>
+            <a:p>
+              <a:pPr algn="r"/>
+              <a:r>
+                <a:rPr lang="en-US" dirty="0"/>
+                <a:t>d</a:t>
+              </a:r>
+              <a:r>
+                <a:rPr lang="en-US" dirty="0" smtClean="0"/>
+                <a:t>epth z</a:t>
+              </a:r>
+            </a:p>
+            <a:p>
+              <a:pPr algn="r"/>
+              <a:r>
+                <a:rPr lang="en-US" dirty="0" smtClean="0"/>
+                <a:t>positive upwards</a:t>
+              </a:r>
+              <a:endParaRPr lang="en-US" dirty="0"/>
+            </a:p>
+          </p:txBody>
+        </p:sp>
+        <p:sp>
+          <p:nvSpPr>
+            <p:cNvPr id="9" name="Down Arrow 8"/>
+            <p:cNvSpPr/>
+            <p:nvPr/>
+          </p:nvSpPr>
+          <p:spPr>
+            <a:xfrm>
+              <a:off x="4764505" y="1239254"/>
+              <a:ext cx="1472261" cy="565485"/>
+            </a:xfrm>
+            <a:prstGeom prst="downArrow">
+              <a:avLst/>
+            </a:prstGeom>
+            <a:solidFill>
+              <a:schemeClr val="accent5"/>
+            </a:solidFill>
+            <a:ln>
+              <a:solidFill>
+                <a:schemeClr val="accent5">
+                  <a:lumMod val="50000"/>
+                </a:schemeClr>
+              </a:solidFill>
+            </a:ln>
+          </p:spPr>
+          <p:style>
+            <a:lnRef idx="2">
+              <a:schemeClr val="accent1">
+                <a:shade val="50000"/>
+              </a:schemeClr>
+            </a:lnRef>
+            <a:fillRef idx="1">
+              <a:schemeClr val="accent1"/>
+            </a:fillRef>
+            <a:effectRef idx="0">
+              <a:schemeClr val="accent1"/>
+            </a:effectRef>
+            <a:fontRef idx="minor">
+              <a:schemeClr val="lt1"/>
+            </a:fontRef>
+          </p:style>
+          <p:txBody>
+            <a:bodyPr rtlCol="0" anchor="ctr"/>
+            <a:lstStyle/>
+            <a:p>
+              <a:pPr algn="ctr"/>
+              <a:endParaRPr lang="en-US"/>
+            </a:p>
+          </p:txBody>
+        </p:sp>
+        <p:sp>
+          <p:nvSpPr>
+            <p:cNvPr id="14" name="TextBox 13"/>
+            <p:cNvSpPr txBox="1"/>
+            <p:nvPr/>
+          </p:nvSpPr>
+          <p:spPr>
+            <a:xfrm>
+              <a:off x="4940147" y="869922"/>
+              <a:ext cx="1169103" cy="369332"/>
+            </a:xfrm>
+            <a:prstGeom prst="rect">
+              <a:avLst/>
+            </a:prstGeom>
+            <a:noFill/>
+          </p:spPr>
+          <p:txBody>
+            <a:bodyPr wrap="none" rtlCol="0">
+              <a:spAutoFit/>
+            </a:bodyPr>
+            <a:lstStyle/>
+            <a:p>
+              <a:r>
+                <a:rPr lang="en-US" smtClean="0"/>
+                <a:t>infiltration</a:t>
+              </a:r>
+              <a:endParaRPr lang="en-US"/>
+            </a:p>
+          </p:txBody>
+        </p:sp>
+      </p:grpSp>
+    </p:spTree>
+    <p:extLst>
+      <p:ext uri="{BB962C8B-B14F-4D97-AF65-F5344CB8AC3E}">
+        <p14:creationId xmlns:p14="http://schemas.microsoft.com/office/powerpoint/2010/main" val="1846394347"/>
+      </p:ext>
+    </p:extLst>
+  </p:cSld>
+  <p:clrMapOvr>
+    <a:masterClrMapping/>
+  </p:clrMapOvr>
+</p:sld>
+</file>
+
+<file path=ppt/slides/slide3.xml><?xml version="1.0" encoding="utf-8"?>
 <p:sld xmlns:a="http://schemas.openxmlformats.org/drawingml/2006/main" xmlns:r="http://schemas.openxmlformats.org/officeDocument/2006/relationships" xmlns:p="http://schemas.openxmlformats.org/presentationml/2006/main">
   <p:cSld>
     <p:spTree>
@@ -3679,8 +3989,8 @@
             </a:fontRef>
           </p:style>
         </p:cxnSp>
-        <mc:AlternateContent xmlns:mc="http://schemas.openxmlformats.org/markup-compatibility/2006">
-          <mc:Choice xmlns:a14="http://schemas.microsoft.com/office/drawing/2010/main" Requires="a14">
+        <mc:AlternateContent xmlns:mc="http://schemas.openxmlformats.org/markup-compatibility/2006" xmlns:a14="http://schemas.microsoft.com/office/drawing/2010/main">
+          <mc:Choice Requires="a14">
             <p:sp>
               <p:nvSpPr>
                 <p:cNvPr id="11" name="TextBox 10"/>
@@ -3744,7 +4054,7 @@
               </p:txBody>
             </p:sp>
           </mc:Choice>
-          <mc:Fallback>
+          <mc:Fallback xmlns="">
             <p:sp>
               <p:nvSpPr>
                 <p:cNvPr id="11" name="TextBox 10"/>
